--- a/课件/地理/八下/七下总复习/6-1亚洲和欧洲/9.八年级总复习七下6-1亚洲和欧洲课件和导学案/八年级总复习七下6-1亚洲及欧洲 复习.pptx
+++ b/课件/地理/八下/七下总复习/6-1亚洲和欧洲/9.八年级总复习七下6-1亚洲和欧洲课件和导学案/八年级总复习七下6-1亚洲及欧洲 复习.pptx
@@ -5,7 +5,7 @@
     <p:sldMasterId id="2147483648" r:id="rId1"/>
   </p:sldMasterIdLst>
   <p:notesMasterIdLst>
-    <p:notesMasterId r:id="rId27"/>
+    <p:notesMasterId r:id="rId26"/>
   </p:notesMasterIdLst>
   <p:sldIdLst>
     <p:sldId id="257" r:id="rId2"/>
@@ -32,7 +32,6 @@
     <p:sldId id="291" r:id="rId23"/>
     <p:sldId id="292" r:id="rId24"/>
     <p:sldId id="293" r:id="rId25"/>
-    <p:sldId id="302" r:id="rId26"/>
   </p:sldIdLst>
   <p:sldSz cx="12192000" cy="6858000"/>
   <p:notesSz cx="6858000" cy="9144000"/>
@@ -133,7 +132,7 @@
   </p:defaultTextStyle>
   <p:extLst>
     <p:ext uri="{EFAFB233-063F-42B5-8137-9DF3F51BA10A}">
-      <p15:sldGuideLst xmlns:p15="http://schemas.microsoft.com/office/powerpoint/2012/main" xmlns="">
+      <p15:sldGuideLst xmlns:p15="http://schemas.microsoft.com/office/powerpoint/2012/main">
         <p15:guide id="1" orient="horz" pos="2160">
           <p15:clr>
             <a:srgbClr val="A4A3A4"/>
@@ -233,7 +232,7 @@
             <a:fld id="{D2A48B96-639E-45A3-A0BA-2464DFDB1FAA}" type="datetimeFigureOut">
               <a:rPr lang="zh-CN" altLang="en-US" smtClean="0"/>
               <a:pPr/>
-              <a:t>2020/2/16</a:t>
+              <a:t>2020/3/20</a:t>
             </a:fld>
             <a:endParaRPr lang="zh-CN" altLang="en-US"/>
           </a:p>
@@ -906,7 +905,7 @@
             <a:fld id="{D997B5FA-0921-464F-AAE1-844C04324D75}" type="datetimeFigureOut">
               <a:rPr lang="zh-CN" altLang="en-US" smtClean="0"/>
               <a:pPr/>
-              <a:t>2020/2/16</a:t>
+              <a:t>2020/3/20</a:t>
             </a:fld>
             <a:endParaRPr lang="zh-CN" altLang="en-US"/>
           </a:p>
@@ -1071,7 +1070,7 @@
             <a:fld id="{D997B5FA-0921-464F-AAE1-844C04324D75}" type="datetimeFigureOut">
               <a:rPr lang="zh-CN" altLang="en-US" smtClean="0"/>
               <a:pPr/>
-              <a:t>2020/2/16</a:t>
+              <a:t>2020/3/20</a:t>
             </a:fld>
             <a:endParaRPr lang="zh-CN" altLang="en-US"/>
           </a:p>
@@ -1246,7 +1245,7 @@
             <a:fld id="{D997B5FA-0921-464F-AAE1-844C04324D75}" type="datetimeFigureOut">
               <a:rPr lang="zh-CN" altLang="en-US" smtClean="0"/>
               <a:pPr/>
-              <a:t>2020/2/16</a:t>
+              <a:t>2020/3/20</a:t>
             </a:fld>
             <a:endParaRPr lang="zh-CN" altLang="en-US"/>
           </a:p>
@@ -1411,7 +1410,7 @@
             <a:fld id="{D997B5FA-0921-464F-AAE1-844C04324D75}" type="datetimeFigureOut">
               <a:rPr lang="zh-CN" altLang="en-US" smtClean="0"/>
               <a:pPr/>
-              <a:t>2020/2/16</a:t>
+              <a:t>2020/3/20</a:t>
             </a:fld>
             <a:endParaRPr lang="zh-CN" altLang="en-US"/>
           </a:p>
@@ -1653,7 +1652,7 @@
             <a:fld id="{D997B5FA-0921-464F-AAE1-844C04324D75}" type="datetimeFigureOut">
               <a:rPr lang="zh-CN" altLang="en-US" smtClean="0"/>
               <a:pPr/>
-              <a:t>2020/2/16</a:t>
+              <a:t>2020/3/20</a:t>
             </a:fld>
             <a:endParaRPr lang="zh-CN" altLang="en-US"/>
           </a:p>
@@ -1879,7 +1878,7 @@
             <a:fld id="{D997B5FA-0921-464F-AAE1-844C04324D75}" type="datetimeFigureOut">
               <a:rPr lang="zh-CN" altLang="en-US" smtClean="0"/>
               <a:pPr/>
-              <a:t>2020/2/16</a:t>
+              <a:t>2020/3/20</a:t>
             </a:fld>
             <a:endParaRPr lang="zh-CN" altLang="en-US"/>
           </a:p>
@@ -2240,7 +2239,7 @@
             <a:fld id="{D997B5FA-0921-464F-AAE1-844C04324D75}" type="datetimeFigureOut">
               <a:rPr lang="zh-CN" altLang="en-US" smtClean="0"/>
               <a:pPr/>
-              <a:t>2020/2/16</a:t>
+              <a:t>2020/3/20</a:t>
             </a:fld>
             <a:endParaRPr lang="zh-CN" altLang="en-US"/>
           </a:p>
@@ -2354,7 +2353,7 @@
             <a:fld id="{D997B5FA-0921-464F-AAE1-844C04324D75}" type="datetimeFigureOut">
               <a:rPr lang="zh-CN" altLang="en-US" smtClean="0"/>
               <a:pPr/>
-              <a:t>2020/2/16</a:t>
+              <a:t>2020/3/20</a:t>
             </a:fld>
             <a:endParaRPr lang="zh-CN" altLang="en-US"/>
           </a:p>
@@ -2446,7 +2445,7 @@
             <a:fld id="{D997B5FA-0921-464F-AAE1-844C04324D75}" type="datetimeFigureOut">
               <a:rPr lang="zh-CN" altLang="en-US" smtClean="0"/>
               <a:pPr/>
-              <a:t>2020/2/16</a:t>
+              <a:t>2020/3/20</a:t>
             </a:fld>
             <a:endParaRPr lang="zh-CN" altLang="en-US"/>
           </a:p>
@@ -2718,7 +2717,7 @@
             <a:fld id="{D997B5FA-0921-464F-AAE1-844C04324D75}" type="datetimeFigureOut">
               <a:rPr lang="zh-CN" altLang="en-US" smtClean="0"/>
               <a:pPr/>
-              <a:t>2020/2/16</a:t>
+              <a:t>2020/3/20</a:t>
             </a:fld>
             <a:endParaRPr lang="zh-CN" altLang="en-US"/>
           </a:p>
@@ -2967,7 +2966,7 @@
             <a:fld id="{D997B5FA-0921-464F-AAE1-844C04324D75}" type="datetimeFigureOut">
               <a:rPr lang="zh-CN" altLang="en-US" smtClean="0"/>
               <a:pPr/>
-              <a:t>2020/2/16</a:t>
+              <a:t>2020/3/20</a:t>
             </a:fld>
             <a:endParaRPr lang="zh-CN" altLang="en-US"/>
           </a:p>
@@ -3175,7 +3174,7 @@
             <a:fld id="{D997B5FA-0921-464F-AAE1-844C04324D75}" type="datetimeFigureOut">
               <a:rPr lang="zh-CN" altLang="en-US" smtClean="0"/>
               <a:pPr/>
-              <a:t>2020/2/16</a:t>
+              <a:t>2020/3/20</a:t>
             </a:fld>
             <a:endParaRPr lang="zh-CN" altLang="en-US"/>
           </a:p>
@@ -3639,13 +3638,6 @@
   <p:clrMapOvr>
     <a:masterClrMapping/>
   </p:clrMapOvr>
-  <p:timing>
-    <p:tnLst>
-      <p:par>
-        <p:cTn id="1" dur="indefinite" restart="never" nodeType="tmRoot"/>
-      </p:par>
-    </p:tnLst>
-  </p:timing>
 </p:sld>
 </file>
 
@@ -5100,21 +5092,21 @@
                 <a:gridCol w="1143000">
                   <a:extLst>
                     <a:ext uri="{9D8B030D-6E8A-4147-A177-3AD203B41FA5}">
-                      <a16:colId xmlns:a16="http://schemas.microsoft.com/office/drawing/2014/main" xmlns="" val="20000"/>
+                      <a16:colId xmlns:a16="http://schemas.microsoft.com/office/drawing/2014/main" val="20000"/>
                     </a:ext>
                   </a:extLst>
                 </a:gridCol>
                 <a:gridCol w="2743200">
                   <a:extLst>
                     <a:ext uri="{9D8B030D-6E8A-4147-A177-3AD203B41FA5}">
-                      <a16:colId xmlns:a16="http://schemas.microsoft.com/office/drawing/2014/main" xmlns="" val="20001"/>
+                      <a16:colId xmlns:a16="http://schemas.microsoft.com/office/drawing/2014/main" val="20001"/>
                     </a:ext>
                   </a:extLst>
                 </a:gridCol>
                 <a:gridCol w="3048000">
                   <a:extLst>
                     <a:ext uri="{9D8B030D-6E8A-4147-A177-3AD203B41FA5}">
-                      <a16:colId xmlns:a16="http://schemas.microsoft.com/office/drawing/2014/main" xmlns="" val="20002"/>
+                      <a16:colId xmlns:a16="http://schemas.microsoft.com/office/drawing/2014/main" val="20002"/>
                     </a:ext>
                   </a:extLst>
                 </a:gridCol>
@@ -5623,7 +5615,7 @@
                 </a:tc>
                 <a:extLst>
                   <a:ext uri="{0D108BD9-81ED-4DB2-BD59-A6C34878D82A}">
-                    <a16:rowId xmlns:a16="http://schemas.microsoft.com/office/drawing/2014/main" xmlns="" val="10000"/>
+                    <a16:rowId xmlns:a16="http://schemas.microsoft.com/office/drawing/2014/main" val="10000"/>
                   </a:ext>
                 </a:extLst>
               </a:tr>
@@ -6131,7 +6123,7 @@
                 </a:tc>
                 <a:extLst>
                   <a:ext uri="{0D108BD9-81ED-4DB2-BD59-A6C34878D82A}">
-                    <a16:rowId xmlns:a16="http://schemas.microsoft.com/office/drawing/2014/main" xmlns="" val="10001"/>
+                    <a16:rowId xmlns:a16="http://schemas.microsoft.com/office/drawing/2014/main" val="10001"/>
                   </a:ext>
                 </a:extLst>
               </a:tr>
@@ -6680,7 +6672,7 @@
                 </a:tc>
                 <a:extLst>
                   <a:ext uri="{0D108BD9-81ED-4DB2-BD59-A6C34878D82A}">
-                    <a16:rowId xmlns:a16="http://schemas.microsoft.com/office/drawing/2014/main" xmlns="" val="10002"/>
+                    <a16:rowId xmlns:a16="http://schemas.microsoft.com/office/drawing/2014/main" val="10002"/>
                   </a:ext>
                 </a:extLst>
               </a:tr>
@@ -7191,7 +7183,7 @@
                 </a:tc>
                 <a:extLst>
                   <a:ext uri="{0D108BD9-81ED-4DB2-BD59-A6C34878D82A}">
-                    <a16:rowId xmlns:a16="http://schemas.microsoft.com/office/drawing/2014/main" xmlns="" val="10003"/>
+                    <a16:rowId xmlns:a16="http://schemas.microsoft.com/office/drawing/2014/main" val="10003"/>
                   </a:ext>
                 </a:extLst>
               </a:tr>
@@ -7738,7 +7730,7 @@
                 </a:tc>
                 <a:extLst>
                   <a:ext uri="{0D108BD9-81ED-4DB2-BD59-A6C34878D82A}">
-                    <a16:rowId xmlns:a16="http://schemas.microsoft.com/office/drawing/2014/main" xmlns="" val="10004"/>
+                    <a16:rowId xmlns:a16="http://schemas.microsoft.com/office/drawing/2014/main" val="10004"/>
                   </a:ext>
                 </a:extLst>
               </a:tr>
@@ -18764,13 +18756,6 @@
   <p:clrMapOvr>
     <a:masterClrMapping/>
   </p:clrMapOvr>
-  <p:timing>
-    <p:tnLst>
-      <p:par>
-        <p:cTn id="1" dur="indefinite" restart="never" nodeType="tmRoot"/>
-      </p:par>
-    </p:tnLst>
-  </p:timing>
 </p:sld>
 </file>
 
@@ -20210,7 +20195,7 @@
                   <a:srgbClr val="FF0000"/>
                 </a:solidFill>
               </a:rPr>
-              <a:t>B</a:t>
+              <a:t>A</a:t>
             </a:r>
           </a:p>
         </p:txBody>
@@ -20276,6 +20261,42 @@
           </a:p>
         </p:txBody>
       </p:sp>
+      <p:cxnSp>
+        <p:nvCxnSpPr>
+          <p:cNvPr id="5" name="直接连接符 4">
+            <a:extLst>
+              <a:ext uri="{FF2B5EF4-FFF2-40B4-BE49-F238E27FC236}">
+                <a16:creationId xmlns:a16="http://schemas.microsoft.com/office/drawing/2014/main" id="{49F8894E-55C2-4C54-9353-FE5A87914A58}"/>
+              </a:ext>
+            </a:extLst>
+          </p:cNvPr>
+          <p:cNvCxnSpPr/>
+          <p:nvPr/>
+        </p:nvCxnSpPr>
+        <p:spPr>
+          <a:xfrm>
+            <a:off x="8955463" y="1965325"/>
+            <a:ext cx="0" cy="3417380"/>
+          </a:xfrm>
+          <a:prstGeom prst="line">
+            <a:avLst/>
+          </a:prstGeom>
+        </p:spPr>
+        <p:style>
+          <a:lnRef idx="1">
+            <a:schemeClr val="accent1"/>
+          </a:lnRef>
+          <a:fillRef idx="0">
+            <a:schemeClr val="accent1"/>
+          </a:fillRef>
+          <a:effectRef idx="0">
+            <a:schemeClr val="accent1"/>
+          </a:effectRef>
+          <a:fontRef idx="minor">
+            <a:schemeClr val="tx1"/>
+          </a:fontRef>
+        </p:style>
+      </p:cxnSp>
     </p:spTree>
   </p:cSld>
   <p:clrMapOvr>
@@ -22709,143 +22730,6 @@
 </p:sld>
 </file>
 
-<file path=ppt/slides/slide25.xml><?xml version="1.0" encoding="utf-8"?>
-<p:sld xmlns:a="http://schemas.openxmlformats.org/drawingml/2006/main" xmlns:r="http://schemas.openxmlformats.org/officeDocument/2006/relationships" xmlns:p="http://schemas.openxmlformats.org/presentationml/2006/main">
-  <p:cSld>
-    <p:spTree>
-      <p:nvGrpSpPr>
-        <p:cNvPr id="1" name=""/>
-        <p:cNvGrpSpPr/>
-        <p:nvPr/>
-      </p:nvGrpSpPr>
-      <p:grpSpPr>
-        <a:xfrm>
-          <a:off x="0" y="0"/>
-          <a:ext cx="0" cy="0"/>
-          <a:chOff x="0" y="0"/>
-          <a:chExt cx="0" cy="0"/>
-        </a:xfrm>
-      </p:grpSpPr>
-      <p:pic>
-        <p:nvPicPr>
-          <p:cNvPr id="52226" name="Picture 2" descr="https://img.tukuppt.com/png_preview/00/00/52/Tczk9QhT8F.jpg!/fw/780"/>
-          <p:cNvPicPr>
-            <a:picLocks noChangeAspect="1" noChangeArrowheads="1"/>
-          </p:cNvPicPr>
-          <p:nvPr/>
-        </p:nvPicPr>
-        <p:blipFill>
-          <a:blip r:embed="rId2" cstate="print"/>
-          <a:srcRect/>
-          <a:stretch>
-            <a:fillRect/>
-          </a:stretch>
-        </p:blipFill>
-        <p:spPr bwMode="auto">
-          <a:xfrm>
-            <a:off x="624840" y="441959"/>
-            <a:ext cx="10866119" cy="5044441"/>
-          </a:xfrm>
-          <a:prstGeom prst="rect">
-            <a:avLst/>
-          </a:prstGeom>
-          <a:ln/>
-        </p:spPr>
-        <p:style>
-          <a:lnRef idx="1">
-            <a:schemeClr val="accent6"/>
-          </a:lnRef>
-          <a:fillRef idx="3">
-            <a:schemeClr val="accent6"/>
-          </a:fillRef>
-          <a:effectRef idx="2">
-            <a:schemeClr val="accent6"/>
-          </a:effectRef>
-          <a:fontRef idx="minor">
-            <a:schemeClr val="lt1"/>
-          </a:fontRef>
-        </p:style>
-      </p:pic>
-      <p:sp>
-        <p:nvSpPr>
-          <p:cNvPr id="3" name="TextBox 2"/>
-          <p:cNvSpPr txBox="1"/>
-          <p:nvPr/>
-        </p:nvSpPr>
-        <p:spPr>
-          <a:xfrm>
-            <a:off x="3611880" y="2194560"/>
-            <a:ext cx="5669280" cy="1015663"/>
-          </a:xfrm>
-          <a:prstGeom prst="rect">
-            <a:avLst/>
-          </a:prstGeom>
-          <a:noFill/>
-        </p:spPr>
-        <p:txBody>
-          <a:bodyPr wrap="square" rtlCol="0">
-            <a:spAutoFit/>
-          </a:bodyPr>
-          <a:lstStyle/>
-          <a:p>
-            <a:r>
-              <a:rPr lang="zh-CN" altLang="en-US" sz="6000" dirty="0">
-                <a:solidFill>
-                  <a:srgbClr val="FF0000"/>
-                </a:solidFill>
-                <a:latin typeface="方正粗黑宋简体" pitchFamily="2" charset="-122"/>
-                <a:ea typeface="方正粗黑宋简体" pitchFamily="2" charset="-122"/>
-              </a:rPr>
-              <a:t>祝你学习进步！</a:t>
-            </a:r>
-          </a:p>
-        </p:txBody>
-      </p:sp>
-      <p:sp>
-        <p:nvSpPr>
-          <p:cNvPr id="4" name="TextBox 3"/>
-          <p:cNvSpPr txBox="1"/>
-          <p:nvPr/>
-        </p:nvSpPr>
-        <p:spPr>
-          <a:xfrm>
-            <a:off x="4434840" y="5684520"/>
-            <a:ext cx="3886200" cy="646331"/>
-          </a:xfrm>
-          <a:prstGeom prst="rect">
-            <a:avLst/>
-          </a:prstGeom>
-          <a:noFill/>
-        </p:spPr>
-        <p:txBody>
-          <a:bodyPr wrap="square" rtlCol="0">
-            <a:spAutoFit/>
-          </a:bodyPr>
-          <a:lstStyle/>
-          <a:p>
-            <a:r>
-              <a:rPr lang="zh-CN" altLang="en-US" sz="3600" b="1" dirty="0"/>
-              <a:t>青岛</a:t>
-            </a:r>
-            <a:r>
-              <a:rPr lang="en-US" altLang="zh-CN" sz="3600" b="1" dirty="0"/>
-              <a:t>62</a:t>
-            </a:r>
-            <a:r>
-              <a:rPr lang="zh-CN" altLang="en-US" sz="3600" b="1" dirty="0"/>
-              <a:t>中地理组</a:t>
-            </a:r>
-          </a:p>
-        </p:txBody>
-      </p:sp>
-    </p:spTree>
-  </p:cSld>
-  <p:clrMapOvr>
-    <a:masterClrMapping/>
-  </p:clrMapOvr>
-</p:sld>
-</file>
-
 <file path=ppt/slides/slide3.xml><?xml version="1.0" encoding="utf-8"?>
 <p:sld xmlns:a="http://schemas.openxmlformats.org/drawingml/2006/main" xmlns:r="http://schemas.openxmlformats.org/officeDocument/2006/relationships" xmlns:p="http://schemas.openxmlformats.org/presentationml/2006/main">
   <p:cSld>
@@ -23421,7 +23305,7 @@
           <a:lstStyle/>
           <a:p>
             <a:r>
-              <a:rPr lang="zh-CN" altLang="en-US" sz="2400" b="1">
+              <a:rPr lang="zh-CN" altLang="en-US" sz="2400" b="1" dirty="0">
                 <a:solidFill>
                   <a:srgbClr val="FF0000"/>
                 </a:solidFill>
@@ -23439,7 +23323,7 @@
         </p:nvSpPr>
         <p:spPr>
           <a:xfrm>
-            <a:off x="3707130" y="6021070"/>
+            <a:off x="3698875" y="6059774"/>
             <a:ext cx="1706880" cy="460375"/>
           </a:xfrm>
           <a:prstGeom prst="rect">
@@ -23454,7 +23338,7 @@
           <a:lstStyle/>
           <a:p>
             <a:r>
-              <a:rPr lang="zh-CN" altLang="en-US" sz="2400" b="1">
+              <a:rPr lang="zh-CN" altLang="en-US" sz="2400" b="1" dirty="0">
                 <a:solidFill>
                   <a:srgbClr val="FF0000"/>
                 </a:solidFill>
@@ -23472,7 +23356,7 @@
         </p:nvSpPr>
         <p:spPr>
           <a:xfrm>
-            <a:off x="5991860" y="6021070"/>
+            <a:off x="5954395" y="6078219"/>
             <a:ext cx="1706880" cy="460375"/>
           </a:xfrm>
           <a:prstGeom prst="rect">
@@ -23487,7 +23371,7 @@
           <a:lstStyle/>
           <a:p>
             <a:r>
-              <a:rPr lang="zh-CN" altLang="en-US" sz="2400" b="1">
+              <a:rPr lang="zh-CN" altLang="en-US" sz="2400" b="1" dirty="0">
                 <a:solidFill>
                   <a:srgbClr val="FF0000"/>
                 </a:solidFill>
@@ -23505,7 +23389,7 @@
         </p:nvSpPr>
         <p:spPr>
           <a:xfrm>
-            <a:off x="9860915" y="6021070"/>
+            <a:off x="9937115" y="6078219"/>
             <a:ext cx="792480" cy="460375"/>
           </a:xfrm>
           <a:prstGeom prst="rect">
@@ -23520,7 +23404,7 @@
           <a:lstStyle/>
           <a:p>
             <a:r>
-              <a:rPr lang="zh-CN" altLang="en-US" sz="2400" b="1">
+              <a:rPr lang="zh-CN" altLang="en-US" sz="2400" b="1" dirty="0">
                 <a:solidFill>
                   <a:srgbClr val="FF0000"/>
                 </a:solidFill>
@@ -23571,7 +23455,7 @@
         </p:nvSpPr>
         <p:spPr>
           <a:xfrm>
-            <a:off x="6511290" y="6397625"/>
+            <a:off x="6228983" y="6425565"/>
             <a:ext cx="1097280" cy="460375"/>
           </a:xfrm>
           <a:prstGeom prst="rect">
@@ -23586,7 +23470,7 @@
           <a:lstStyle/>
           <a:p>
             <a:r>
-              <a:rPr lang="zh-CN" altLang="en-US" sz="2400" b="1">
+              <a:rPr lang="zh-CN" altLang="en-US" sz="2400" b="1" dirty="0">
                 <a:solidFill>
                   <a:srgbClr val="FF0000"/>
                 </a:solidFill>
@@ -23604,7 +23488,7 @@
         </p:nvSpPr>
         <p:spPr>
           <a:xfrm>
-            <a:off x="4658360" y="6397625"/>
+            <a:off x="4271010" y="6442271"/>
             <a:ext cx="1402080" cy="460375"/>
           </a:xfrm>
           <a:prstGeom prst="rect">
@@ -25749,7 +25633,7 @@
           <p:nvPr/>
         </p:nvPicPr>
         <p:blipFill>
-          <a:blip r:embed="rId3" cstate="print"/>
+          <a:blip r:embed="rId2" cstate="print"/>
           <a:srcRect/>
           <a:stretch>
             <a:fillRect/>
@@ -25766,34 +25650,6 @@
           <a:noFill/>
         </p:spPr>
       </p:pic>
-      <p:pic>
-        <p:nvPicPr>
-          <p:cNvPr id="3" name="e47c6a2ec34ee3ad1d3a855bd8fd1535.mp4">
-            <a:hlinkClick r:id="" action="ppaction://media"/>
-          </p:cNvPr>
-          <p:cNvPicPr>
-            <a:picLocks noRot="1" noChangeAspect="1"/>
-          </p:cNvPicPr>
-          <p:nvPr>
-            <a:videoFile r:link="rId1"/>
-          </p:nvPr>
-        </p:nvPicPr>
-        <p:blipFill>
-          <a:blip r:embed="rId4" cstate="print"/>
-          <a:stretch>
-            <a:fillRect/>
-          </a:stretch>
-        </p:blipFill>
-        <p:spPr>
-          <a:xfrm>
-            <a:off x="1566123" y="703217"/>
-            <a:ext cx="9147442" cy="5958840"/>
-          </a:xfrm>
-          <a:prstGeom prst="rect">
-            <a:avLst/>
-          </a:prstGeom>
-        </p:spPr>
-      </p:pic>
       <p:sp>
         <p:nvSpPr>
           <p:cNvPr id="5" name="TextBox 4"/>
@@ -25802,8 +25658,8 @@
         </p:nvSpPr>
         <p:spPr>
           <a:xfrm>
-            <a:off x="453033" y="350520"/>
-            <a:ext cx="923330" cy="4186238"/>
+            <a:off x="4308595" y="2212985"/>
+            <a:ext cx="4382918" cy="830997"/>
           </a:xfrm>
           <a:prstGeom prst="rect">
             <a:avLst/>
@@ -25811,7 +25667,7 @@
           <a:noFill/>
         </p:spPr>
         <p:txBody>
-          <a:bodyPr vert="eaVert" wrap="square" rtlCol="0">
+          <a:bodyPr vert="horz" wrap="square" rtlCol="0">
             <a:spAutoFit/>
           </a:bodyPr>
           <a:lstStyle/>
@@ -25824,7 +25680,7 @@
                 <a:latin typeface="+mj-ea"/>
                 <a:ea typeface="+mj-ea"/>
               </a:rPr>
-              <a:t>二。</a:t>
+              <a:t>二 </a:t>
             </a:r>
             <a:r>
               <a:rPr lang="zh-CN" altLang="en-US" sz="4800" dirty="0">
@@ -25878,98 +25734,6 @@
   <p:clrMapOvr>
     <a:masterClrMapping/>
   </p:clrMapOvr>
-  <p:timing>
-    <p:tnLst>
-      <p:par>
-        <p:cTn id="1" dur="indefinite" restart="never" nodeType="tmRoot">
-          <p:childTnLst>
-            <p:seq concurrent="1" nextAc="seek">
-              <p:cTn id="2" restart="whenNotActive" fill="hold" evtFilter="cancelBubble" nodeType="interactiveSeq">
-                <p:stCondLst>
-                  <p:cond evt="onClick" delay="0">
-                    <p:tgtEl>
-                      <p:spTgt spid="3"/>
-                    </p:tgtEl>
-                  </p:cond>
-                </p:stCondLst>
-                <p:endSync evt="end" delay="0">
-                  <p:rtn val="all"/>
-                </p:endSync>
-                <p:childTnLst>
-                  <p:par>
-                    <p:cTn id="3" fill="hold">
-                      <p:stCondLst>
-                        <p:cond delay="0"/>
-                      </p:stCondLst>
-                      <p:childTnLst>
-                        <p:par>
-                          <p:cTn id="4" fill="hold">
-                            <p:stCondLst>
-                              <p:cond delay="0"/>
-                            </p:stCondLst>
-                            <p:childTnLst>
-                              <p:par>
-                                <p:cTn id="5" presetID="2" presetClass="mediacall" presetSubtype="0" fill="hold" nodeType="clickEffect">
-                                  <p:stCondLst>
-                                    <p:cond delay="0"/>
-                                  </p:stCondLst>
-                                  <p:childTnLst>
-                                    <p:cmd type="call" cmd="togglePause">
-                                      <p:cBhvr>
-                                        <p:cTn id="6" dur="1" fill="hold"/>
-                                        <p:tgtEl>
-                                          <p:spTgt spid="3"/>
-                                        </p:tgtEl>
-                                      </p:cBhvr>
-                                    </p:cmd>
-                                  </p:childTnLst>
-                                </p:cTn>
-                              </p:par>
-                            </p:childTnLst>
-                          </p:cTn>
-                        </p:par>
-                      </p:childTnLst>
-                    </p:cTn>
-                  </p:par>
-                </p:childTnLst>
-              </p:cTn>
-              <p:nextCondLst>
-                <p:cond evt="onClick" delay="0">
-                  <p:tgtEl>
-                    <p:spTgt spid="3"/>
-                  </p:tgtEl>
-                </p:cond>
-              </p:nextCondLst>
-            </p:seq>
-            <p:video>
-              <p:cMediaNode>
-                <p:cTn id="7" fill="hold" display="0">
-                  <p:stCondLst>
-                    <p:cond delay="indefinite"/>
-                  </p:stCondLst>
-                  <p:endCondLst>
-                    <p:cond evt="onNext" delay="0">
-                      <p:tgtEl>
-                        <p:sldTgt/>
-                      </p:tgtEl>
-                    </p:cond>
-                    <p:cond evt="onPrev" delay="0">
-                      <p:tgtEl>
-                        <p:sldTgt/>
-                      </p:tgtEl>
-                    </p:cond>
-                  </p:endCondLst>
-                </p:cTn>
-                <p:tgtEl>
-                  <p:spTgt spid="3"/>
-                </p:tgtEl>
-              </p:cMediaNode>
-            </p:video>
-          </p:childTnLst>
-        </p:cTn>
-      </p:par>
-    </p:tnLst>
-  </p:timing>
 </p:sld>
 </file>
 
@@ -26597,7 +26361,7 @@
           </a:ln>
           <a:extLst>
             <a:ext uri="{909E8E84-426E-40DD-AFC4-6F175D3DCCD1}">
-              <a14:hiddenFill xmlns:a14="http://schemas.microsoft.com/office/drawing/2010/main" xmlns="">
+              <a14:hiddenFill xmlns:a14="http://schemas.microsoft.com/office/drawing/2010/main">
                 <a:solidFill>
                   <a:schemeClr val="bg1"/>
                 </a:solidFill>
@@ -26684,13 +26448,6 @@
   <p:clrMapOvr>
     <a:masterClrMapping/>
   </p:clrMapOvr>
-  <p:timing>
-    <p:tnLst>
-      <p:par>
-        <p:cTn id="1" dur="indefinite" restart="never" nodeType="tmRoot"/>
-      </p:par>
-    </p:tnLst>
-  </p:timing>
 </p:sld>
 </file>
 
@@ -27502,7 +27259,7 @@
           <a:blip r:embed="rId2" cstate="print">
             <a:extLst>
               <a:ext uri="{28A0092B-C50C-407E-A947-70E740481C1C}">
-                <a14:useLocalDpi xmlns:a14="http://schemas.microsoft.com/office/drawing/2010/main" xmlns="" val="0"/>
+                <a14:useLocalDpi xmlns:a14="http://schemas.microsoft.com/office/drawing/2010/main" val="0"/>
               </a:ext>
             </a:extLst>
           </a:blip>
@@ -27526,14 +27283,14 @@
           <a:effectLst/>
           <a:extLst>
             <a:ext uri="{909E8E84-426E-40DD-AFC4-6F175D3DCCD1}">
-              <a14:hiddenFill xmlns:a14="http://schemas.microsoft.com/office/drawing/2010/main" xmlns="">
+              <a14:hiddenFill xmlns:a14="http://schemas.microsoft.com/office/drawing/2010/main">
                 <a:solidFill>
                   <a:schemeClr val="accent1"/>
                 </a:solidFill>
               </a14:hiddenFill>
             </a:ext>
             <a:ext uri="{91240B29-F687-4F45-9708-019B960494DF}">
-              <a14:hiddenLine xmlns:a14="http://schemas.microsoft.com/office/drawing/2010/main" xmlns="" w="9525">
+              <a14:hiddenLine xmlns:a14="http://schemas.microsoft.com/office/drawing/2010/main" w="9525">
                 <a:solidFill>
                   <a:schemeClr val="tx1"/>
                 </a:solidFill>
@@ -27543,7 +27300,7 @@
               </a14:hiddenLine>
             </a:ext>
             <a:ext uri="{AF507438-7753-43E0-B8FC-AC1667EBCBE1}">
-              <a14:hiddenEffects xmlns:a14="http://schemas.microsoft.com/office/drawing/2010/main" xmlns="">
+              <a14:hiddenEffects xmlns:a14="http://schemas.microsoft.com/office/drawing/2010/main">
                 <a:effectLst>
                   <a:outerShdw dist="35921" dir="2700000" algn="ctr" rotWithShape="0">
                     <a:schemeClr val="bg2"/>
@@ -27767,7 +27524,7 @@
           <a:blip r:embed="rId3" cstate="print">
             <a:extLst>
               <a:ext uri="{28A0092B-C50C-407E-A947-70E740481C1C}">
-                <a14:useLocalDpi xmlns:a14="http://schemas.microsoft.com/office/drawing/2010/main" xmlns="" val="0"/>
+                <a14:useLocalDpi xmlns:a14="http://schemas.microsoft.com/office/drawing/2010/main" val="0"/>
               </a:ext>
             </a:extLst>
           </a:blip>
@@ -27787,7 +27544,7 @@
           <a:noFill/>
           <a:extLst>
             <a:ext uri="{909E8E84-426E-40DD-AFC4-6F175D3DCCD1}">
-              <a14:hiddenFill xmlns:a14="http://schemas.microsoft.com/office/drawing/2010/main" xmlns="">
+              <a14:hiddenFill xmlns:a14="http://schemas.microsoft.com/office/drawing/2010/main">
                 <a:solidFill>
                   <a:srgbClr val="FFFFFF"/>
                 </a:solidFill>
@@ -29431,7 +29188,7 @@
   <a:extraClrSchemeLst/>
   <a:extLst>
     <a:ext uri="{05A4C25C-085E-4340-85A3-A5531E510DB2}">
-      <thm15:themeFamily xmlns:thm15="http://schemas.microsoft.com/office/thememl/2012/main" xmlns="" name="Office Theme" id="{62F939B6-93AF-4DB8-9C6B-D6C7DFDC589F}" vid="{4A3C46E8-61CC-4603-A589-7422A47A8E4A}"/>
+      <thm15:themeFamily xmlns:thm15="http://schemas.microsoft.com/office/thememl/2012/main" name="Office Theme" id="{62F939B6-93AF-4DB8-9C6B-D6C7DFDC589F}" vid="{4A3C46E8-61CC-4603-A589-7422A47A8E4A}"/>
     </a:ext>
   </a:extLst>
 </a:theme>
@@ -29692,7 +29449,7 @@
   <a:extraClrSchemeLst/>
   <a:extLst>
     <a:ext uri="{05A4C25C-085E-4340-85A3-A5531E510DB2}">
-      <thm15:themeFamily xmlns:thm15="http://schemas.microsoft.com/office/thememl/2012/main" xmlns="" name="Office Theme" id="{62F939B6-93AF-4DB8-9C6B-D6C7DFDC589F}" vid="{4A3C46E8-61CC-4603-A589-7422A47A8E4A}"/>
+      <thm15:themeFamily xmlns:thm15="http://schemas.microsoft.com/office/thememl/2012/main" name="Office Theme" id="{62F939B6-93AF-4DB8-9C6B-D6C7DFDC589F}" vid="{4A3C46E8-61CC-4603-A589-7422A47A8E4A}"/>
     </a:ext>
   </a:extLst>
 </a:theme>
